--- a/Pre.pptx
+++ b/Pre.pptx
@@ -10,6 +10,8 @@
     <p:sldId id="259" r:id="rId4"/>
     <p:sldId id="260" r:id="rId5"/>
     <p:sldId id="261" r:id="rId6"/>
+    <p:sldId id="262" r:id="rId7"/>
+    <p:sldId id="263" r:id="rId8"/>
   </p:sldIdLst>
   <p:sldSz cx="12192000" cy="6858000"/>
   <p:notesSz cx="6858000" cy="9144000"/>
@@ -108,6 +110,11 @@
       </a:defRPr>
     </a:lvl9pPr>
   </p:defaultTextStyle>
+  <p:extLst>
+    <p:ext uri="{EFAFB233-063F-42B5-8137-9DF3F51BA10A}">
+      <p15:sldGuideLst xmlns:p15="http://schemas.microsoft.com/office/powerpoint/2012/main"/>
+    </p:ext>
+  </p:extLst>
 </p:presentation>
 </file>
 
@@ -260,7 +267,7 @@
           <a:p>
             <a:fld id="{9768B28A-C403-3145-BEE8-44C2348C4ADD}" type="datetimeFigureOut">
               <a:rPr lang="en-CN" smtClean="0"/>
-              <a:t>2023/8/3</a:t>
+              <a:t>2023/8/7</a:t>
             </a:fld>
             <a:endParaRPr lang="en-CN"/>
           </a:p>
@@ -460,7 +467,7 @@
           <a:p>
             <a:fld id="{9768B28A-C403-3145-BEE8-44C2348C4ADD}" type="datetimeFigureOut">
               <a:rPr lang="en-CN" smtClean="0"/>
-              <a:t>2023/8/3</a:t>
+              <a:t>2023/8/7</a:t>
             </a:fld>
             <a:endParaRPr lang="en-CN"/>
           </a:p>
@@ -670,7 +677,7 @@
           <a:p>
             <a:fld id="{9768B28A-C403-3145-BEE8-44C2348C4ADD}" type="datetimeFigureOut">
               <a:rPr lang="en-CN" smtClean="0"/>
-              <a:t>2023/8/3</a:t>
+              <a:t>2023/8/7</a:t>
             </a:fld>
             <a:endParaRPr lang="en-CN"/>
           </a:p>
@@ -870,7 +877,7 @@
           <a:p>
             <a:fld id="{9768B28A-C403-3145-BEE8-44C2348C4ADD}" type="datetimeFigureOut">
               <a:rPr lang="en-CN" smtClean="0"/>
-              <a:t>2023/8/3</a:t>
+              <a:t>2023/8/7</a:t>
             </a:fld>
             <a:endParaRPr lang="en-CN"/>
           </a:p>
@@ -1146,7 +1153,7 @@
           <a:p>
             <a:fld id="{9768B28A-C403-3145-BEE8-44C2348C4ADD}" type="datetimeFigureOut">
               <a:rPr lang="en-CN" smtClean="0"/>
-              <a:t>2023/8/3</a:t>
+              <a:t>2023/8/7</a:t>
             </a:fld>
             <a:endParaRPr lang="en-CN"/>
           </a:p>
@@ -1414,7 +1421,7 @@
           <a:p>
             <a:fld id="{9768B28A-C403-3145-BEE8-44C2348C4ADD}" type="datetimeFigureOut">
               <a:rPr lang="en-CN" smtClean="0"/>
-              <a:t>2023/8/3</a:t>
+              <a:t>2023/8/7</a:t>
             </a:fld>
             <a:endParaRPr lang="en-CN"/>
           </a:p>
@@ -1829,7 +1836,7 @@
           <a:p>
             <a:fld id="{9768B28A-C403-3145-BEE8-44C2348C4ADD}" type="datetimeFigureOut">
               <a:rPr lang="en-CN" smtClean="0"/>
-              <a:t>2023/8/3</a:t>
+              <a:t>2023/8/7</a:t>
             </a:fld>
             <a:endParaRPr lang="en-CN"/>
           </a:p>
@@ -1971,7 +1978,7 @@
           <a:p>
             <a:fld id="{9768B28A-C403-3145-BEE8-44C2348C4ADD}" type="datetimeFigureOut">
               <a:rPr lang="en-CN" smtClean="0"/>
-              <a:t>2023/8/3</a:t>
+              <a:t>2023/8/7</a:t>
             </a:fld>
             <a:endParaRPr lang="en-CN"/>
           </a:p>
@@ -2084,7 +2091,7 @@
           <a:p>
             <a:fld id="{9768B28A-C403-3145-BEE8-44C2348C4ADD}" type="datetimeFigureOut">
               <a:rPr lang="en-CN" smtClean="0"/>
-              <a:t>2023/8/3</a:t>
+              <a:t>2023/8/7</a:t>
             </a:fld>
             <a:endParaRPr lang="en-CN"/>
           </a:p>
@@ -2397,7 +2404,7 @@
           <a:p>
             <a:fld id="{9768B28A-C403-3145-BEE8-44C2348C4ADD}" type="datetimeFigureOut">
               <a:rPr lang="en-CN" smtClean="0"/>
-              <a:t>2023/8/3</a:t>
+              <a:t>2023/8/7</a:t>
             </a:fld>
             <a:endParaRPr lang="en-CN"/>
           </a:p>
@@ -2686,7 +2693,7 @@
           <a:p>
             <a:fld id="{9768B28A-C403-3145-BEE8-44C2348C4ADD}" type="datetimeFigureOut">
               <a:rPr lang="en-CN" smtClean="0"/>
-              <a:t>2023/8/3</a:t>
+              <a:t>2023/8/7</a:t>
             </a:fld>
             <a:endParaRPr lang="en-CN"/>
           </a:p>
@@ -2929,7 +2936,7 @@
           <a:p>
             <a:fld id="{9768B28A-C403-3145-BEE8-44C2348C4ADD}" type="datetimeFigureOut">
               <a:rPr lang="en-CN" smtClean="0"/>
-              <a:t>2023/8/3</a:t>
+              <a:t>2023/8/7</a:t>
             </a:fld>
             <a:endParaRPr lang="en-CN"/>
           </a:p>
@@ -3852,7 +3859,7 @@
           <a:p>
             <a:r>
               <a:rPr lang="en-CN" sz="4000" b="1" dirty="0"/>
-              <a:t>Results of Synapse Distribution(clustered by hand)</a:t>
+              <a:t>Results of Synapse Distribution (clustered by hand)</a:t>
             </a:r>
           </a:p>
         </p:txBody>
@@ -4252,7 +4259,7 @@
           <a:p>
             <a:r>
               <a:rPr lang="en-CN" sz="4000" b="1" dirty="0"/>
-              <a:t>Results of Distance Distribution(clustered by hand)</a:t>
+              <a:t>Results of Distance Distribution (clustered by hand)</a:t>
             </a:r>
           </a:p>
         </p:txBody>
@@ -4997,10 +5004,1071 @@
           </a:prstGeom>
         </p:spPr>
       </p:pic>
+      <p:sp>
+        <p:nvSpPr>
+          <p:cNvPr id="3" name="TextBox 2">
+            <a:extLst>
+              <a:ext uri="{FF2B5EF4-FFF2-40B4-BE49-F238E27FC236}">
+                <a16:creationId xmlns:a16="http://schemas.microsoft.com/office/drawing/2014/main" id="{E05C02A4-D9CA-10E9-1F31-D4B79A6E2C3F}"/>
+              </a:ext>
+            </a:extLst>
+          </p:cNvPr>
+          <p:cNvSpPr txBox="1"/>
+          <p:nvPr/>
+        </p:nvSpPr>
+        <p:spPr>
+          <a:xfrm>
+            <a:off x="8873253" y="5642203"/>
+            <a:ext cx="3168881" cy="646331"/>
+          </a:xfrm>
+          <a:prstGeom prst="rect">
+            <a:avLst/>
+          </a:prstGeom>
+          <a:noFill/>
+        </p:spPr>
+        <p:txBody>
+          <a:bodyPr wrap="none" rtlCol="0">
+            <a:spAutoFit/>
+          </a:bodyPr>
+          <a:lstStyle/>
+          <a:p>
+            <a:r>
+              <a:rPr lang="en-CN" dirty="0"/>
+              <a:t>A least level of cluster numbers </a:t>
+            </a:r>
+          </a:p>
+          <a:p>
+            <a:r>
+              <a:rPr lang="en-US" dirty="0"/>
+              <a:t>o</a:t>
+            </a:r>
+            <a:r>
+              <a:rPr lang="en-CN" dirty="0"/>
+              <a:t>n the dendritic tree is needed </a:t>
+            </a:r>
+          </a:p>
+        </p:txBody>
+      </p:sp>
     </p:spTree>
     <p:extLst>
       <p:ext uri="{BB962C8B-B14F-4D97-AF65-F5344CB8AC3E}">
         <p14:creationId xmlns:p14="http://schemas.microsoft.com/office/powerpoint/2010/main" val="2083549780"/>
+      </p:ext>
+    </p:extLst>
+  </p:cSld>
+  <p:clrMapOvr>
+    <a:masterClrMapping/>
+  </p:clrMapOvr>
+</p:sld>
+</file>
+
+<file path=ppt/slides/slide6.xml><?xml version="1.0" encoding="utf-8"?>
+<p:sld xmlns:a="http://schemas.openxmlformats.org/drawingml/2006/main" xmlns:r="http://schemas.openxmlformats.org/officeDocument/2006/relationships" xmlns:p="http://schemas.openxmlformats.org/presentationml/2006/main">
+  <p:cSld>
+    <p:spTree>
+      <p:nvGrpSpPr>
+        <p:cNvPr id="1" name=""/>
+        <p:cNvGrpSpPr/>
+        <p:nvPr/>
+      </p:nvGrpSpPr>
+      <p:grpSpPr>
+        <a:xfrm>
+          <a:off x="0" y="0"/>
+          <a:ext cx="0" cy="0"/>
+          <a:chOff x="0" y="0"/>
+          <a:chExt cx="0" cy="0"/>
+        </a:xfrm>
+      </p:grpSpPr>
+      <p:sp>
+        <p:nvSpPr>
+          <p:cNvPr id="2" name="Title 1">
+            <a:extLst>
+              <a:ext uri="{FF2B5EF4-FFF2-40B4-BE49-F238E27FC236}">
+                <a16:creationId xmlns:a16="http://schemas.microsoft.com/office/drawing/2014/main" id="{5163185B-DDC7-EDEF-852E-C2D22A908C9C}"/>
+              </a:ext>
+            </a:extLst>
+          </p:cNvPr>
+          <p:cNvSpPr>
+            <a:spLocks noGrp="1"/>
+          </p:cNvSpPr>
+          <p:nvPr>
+            <p:ph type="title"/>
+          </p:nvPr>
+        </p:nvSpPr>
+        <p:spPr/>
+        <p:txBody>
+          <a:bodyPr>
+            <a:normAutofit/>
+          </a:bodyPr>
+          <a:lstStyle/>
+          <a:p>
+            <a:r>
+              <a:rPr lang="en-CN" sz="4000" b="1" dirty="0"/>
+              <a:t>Results of Percentage Curve (clustered by hand)</a:t>
+            </a:r>
+          </a:p>
+        </p:txBody>
+      </p:sp>
+      <p:sp>
+        <p:nvSpPr>
+          <p:cNvPr id="4" name="TextBox 3">
+            <a:extLst>
+              <a:ext uri="{FF2B5EF4-FFF2-40B4-BE49-F238E27FC236}">
+                <a16:creationId xmlns:a16="http://schemas.microsoft.com/office/drawing/2014/main" id="{B8C1EAD9-FE04-0144-FD31-00BE22179705}"/>
+              </a:ext>
+            </a:extLst>
+          </p:cNvPr>
+          <p:cNvSpPr txBox="1"/>
+          <p:nvPr/>
+        </p:nvSpPr>
+        <p:spPr>
+          <a:xfrm>
+            <a:off x="484701" y="2346326"/>
+            <a:ext cx="1241045" cy="646331"/>
+          </a:xfrm>
+          <a:prstGeom prst="rect">
+            <a:avLst/>
+          </a:prstGeom>
+          <a:noFill/>
+        </p:spPr>
+        <p:txBody>
+          <a:bodyPr wrap="none" rtlCol="0">
+            <a:spAutoFit/>
+          </a:bodyPr>
+          <a:lstStyle/>
+          <a:p>
+            <a:r>
+              <a:rPr lang="en-US" dirty="0"/>
+              <a:t>k</a:t>
+            </a:r>
+            <a:r>
+              <a:rPr lang="en-CN" dirty="0"/>
+              <a:t>=5</a:t>
+            </a:r>
+            <a:r>
+              <a:rPr lang="en-US" altLang="zh-CN" dirty="0"/>
+              <a:t>00,num</a:t>
+            </a:r>
+          </a:p>
+          <a:p>
+            <a:r>
+              <a:rPr lang="en-US" altLang="zh-CN" dirty="0"/>
+              <a:t>Syn=1000</a:t>
+            </a:r>
+          </a:p>
+        </p:txBody>
+      </p:sp>
+      <p:sp>
+        <p:nvSpPr>
+          <p:cNvPr id="5" name="TextBox 4">
+            <a:extLst>
+              <a:ext uri="{FF2B5EF4-FFF2-40B4-BE49-F238E27FC236}">
+                <a16:creationId xmlns:a16="http://schemas.microsoft.com/office/drawing/2014/main" id="{800B145D-947A-7E7D-01C6-750067E658CB}"/>
+              </a:ext>
+            </a:extLst>
+          </p:cNvPr>
+          <p:cNvSpPr txBox="1"/>
+          <p:nvPr/>
+        </p:nvSpPr>
+        <p:spPr>
+          <a:xfrm>
+            <a:off x="361476" y="4893253"/>
+            <a:ext cx="1358064" cy="646331"/>
+          </a:xfrm>
+          <a:prstGeom prst="rect">
+            <a:avLst/>
+          </a:prstGeom>
+          <a:noFill/>
+        </p:spPr>
+        <p:txBody>
+          <a:bodyPr wrap="none" rtlCol="0">
+            <a:spAutoFit/>
+          </a:bodyPr>
+          <a:lstStyle/>
+          <a:p>
+            <a:r>
+              <a:rPr lang="en-US" dirty="0"/>
+              <a:t>k</a:t>
+            </a:r>
+            <a:r>
+              <a:rPr lang="en-CN" dirty="0"/>
+              <a:t>=10</a:t>
+            </a:r>
+            <a:r>
+              <a:rPr lang="en-US" altLang="zh-CN" dirty="0"/>
+              <a:t>00,num</a:t>
+            </a:r>
+          </a:p>
+          <a:p>
+            <a:r>
+              <a:rPr lang="en-US" altLang="zh-CN" dirty="0"/>
+              <a:t>Syn=2000</a:t>
+            </a:r>
+          </a:p>
+        </p:txBody>
+      </p:sp>
+      <p:sp>
+        <p:nvSpPr>
+          <p:cNvPr id="6" name="TextBox 5">
+            <a:extLst>
+              <a:ext uri="{FF2B5EF4-FFF2-40B4-BE49-F238E27FC236}">
+                <a16:creationId xmlns:a16="http://schemas.microsoft.com/office/drawing/2014/main" id="{E21B9853-1AA8-4688-AB95-5B735FE649FD}"/>
+              </a:ext>
+            </a:extLst>
+          </p:cNvPr>
+          <p:cNvSpPr txBox="1"/>
+          <p:nvPr/>
+        </p:nvSpPr>
+        <p:spPr>
+          <a:xfrm>
+            <a:off x="4752986" y="2346326"/>
+            <a:ext cx="1358064" cy="646331"/>
+          </a:xfrm>
+          <a:prstGeom prst="rect">
+            <a:avLst/>
+          </a:prstGeom>
+          <a:noFill/>
+        </p:spPr>
+        <p:txBody>
+          <a:bodyPr wrap="none" rtlCol="0">
+            <a:spAutoFit/>
+          </a:bodyPr>
+          <a:lstStyle/>
+          <a:p>
+            <a:r>
+              <a:rPr lang="en-US" dirty="0"/>
+              <a:t>k</a:t>
+            </a:r>
+            <a:r>
+              <a:rPr lang="en-CN" dirty="0"/>
+              <a:t>=20</a:t>
+            </a:r>
+            <a:r>
+              <a:rPr lang="en-US" altLang="zh-CN" dirty="0"/>
+              <a:t>00,num</a:t>
+            </a:r>
+          </a:p>
+          <a:p>
+            <a:r>
+              <a:rPr lang="en-US" altLang="zh-CN" dirty="0"/>
+              <a:t>Syn=4000</a:t>
+            </a:r>
+          </a:p>
+        </p:txBody>
+      </p:sp>
+      <p:sp>
+        <p:nvSpPr>
+          <p:cNvPr id="7" name="TextBox 6">
+            <a:extLst>
+              <a:ext uri="{FF2B5EF4-FFF2-40B4-BE49-F238E27FC236}">
+                <a16:creationId xmlns:a16="http://schemas.microsoft.com/office/drawing/2014/main" id="{083B20D1-233A-278D-CA44-EF74E34882B2}"/>
+              </a:ext>
+            </a:extLst>
+          </p:cNvPr>
+          <p:cNvSpPr txBox="1"/>
+          <p:nvPr/>
+        </p:nvSpPr>
+        <p:spPr>
+          <a:xfrm>
+            <a:off x="4748868" y="4912241"/>
+            <a:ext cx="1358064" cy="646331"/>
+          </a:xfrm>
+          <a:prstGeom prst="rect">
+            <a:avLst/>
+          </a:prstGeom>
+          <a:noFill/>
+        </p:spPr>
+        <p:txBody>
+          <a:bodyPr wrap="none" rtlCol="0">
+            <a:spAutoFit/>
+          </a:bodyPr>
+          <a:lstStyle/>
+          <a:p>
+            <a:r>
+              <a:rPr lang="en-US" dirty="0"/>
+              <a:t>k</a:t>
+            </a:r>
+            <a:r>
+              <a:rPr lang="en-CN" dirty="0"/>
+              <a:t>=20</a:t>
+            </a:r>
+            <a:r>
+              <a:rPr lang="en-US" altLang="zh-CN" dirty="0"/>
+              <a:t>00,num</a:t>
+            </a:r>
+          </a:p>
+          <a:p>
+            <a:r>
+              <a:rPr lang="en-US" altLang="zh-CN" dirty="0"/>
+              <a:t>Syn=6000</a:t>
+            </a:r>
+          </a:p>
+        </p:txBody>
+      </p:sp>
+      <p:sp>
+        <p:nvSpPr>
+          <p:cNvPr id="8" name="TextBox 7">
+            <a:extLst>
+              <a:ext uri="{FF2B5EF4-FFF2-40B4-BE49-F238E27FC236}">
+                <a16:creationId xmlns:a16="http://schemas.microsoft.com/office/drawing/2014/main" id="{D7F690DD-4E4B-ACE6-B4F8-712B9112485C}"/>
+              </a:ext>
+            </a:extLst>
+          </p:cNvPr>
+          <p:cNvSpPr txBox="1"/>
+          <p:nvPr/>
+        </p:nvSpPr>
+        <p:spPr>
+          <a:xfrm>
+            <a:off x="9243233" y="2346326"/>
+            <a:ext cx="2270558" cy="369332"/>
+          </a:xfrm>
+          <a:prstGeom prst="rect">
+            <a:avLst/>
+          </a:prstGeom>
+          <a:noFill/>
+        </p:spPr>
+        <p:txBody>
+          <a:bodyPr wrap="none" rtlCol="0">
+            <a:spAutoFit/>
+          </a:bodyPr>
+          <a:lstStyle/>
+          <a:p>
+            <a:r>
+              <a:rPr lang="en-US" dirty="0"/>
+              <a:t>k</a:t>
+            </a:r>
+            <a:r>
+              <a:rPr lang="en-CN" dirty="0"/>
+              <a:t>=1000,numSyn=6000</a:t>
+            </a:r>
+          </a:p>
+        </p:txBody>
+      </p:sp>
+      <p:pic>
+        <p:nvPicPr>
+          <p:cNvPr id="10" name="Picture 9">
+            <a:extLst>
+              <a:ext uri="{FF2B5EF4-FFF2-40B4-BE49-F238E27FC236}">
+                <a16:creationId xmlns:a16="http://schemas.microsoft.com/office/drawing/2014/main" id="{4CD2F78A-A877-CA96-4C9E-43A6680389B3}"/>
+              </a:ext>
+            </a:extLst>
+          </p:cNvPr>
+          <p:cNvPicPr>
+            <a:picLocks noChangeAspect="1"/>
+          </p:cNvPicPr>
+          <p:nvPr/>
+        </p:nvPicPr>
+        <p:blipFill>
+          <a:blip r:embed="rId2"/>
+          <a:srcRect/>
+          <a:stretch/>
+        </p:blipFill>
+        <p:spPr>
+          <a:xfrm>
+            <a:off x="1813488" y="1417742"/>
+            <a:ext cx="2595832" cy="2595832"/>
+          </a:xfrm>
+          <a:prstGeom prst="rect">
+            <a:avLst/>
+          </a:prstGeom>
+        </p:spPr>
+      </p:pic>
+      <p:pic>
+        <p:nvPicPr>
+          <p:cNvPr id="11" name="Picture 10">
+            <a:extLst>
+              <a:ext uri="{FF2B5EF4-FFF2-40B4-BE49-F238E27FC236}">
+                <a16:creationId xmlns:a16="http://schemas.microsoft.com/office/drawing/2014/main" id="{6E1642C6-B64B-5A06-E9B7-F60F544B3F08}"/>
+              </a:ext>
+            </a:extLst>
+          </p:cNvPr>
+          <p:cNvPicPr>
+            <a:picLocks noChangeAspect="1"/>
+          </p:cNvPicPr>
+          <p:nvPr/>
+        </p:nvPicPr>
+        <p:blipFill>
+          <a:blip r:embed="rId3"/>
+          <a:srcRect/>
+          <a:stretch/>
+        </p:blipFill>
+        <p:spPr>
+          <a:xfrm>
+            <a:off x="1813488" y="4142342"/>
+            <a:ext cx="2595832" cy="2595832"/>
+          </a:xfrm>
+          <a:prstGeom prst="rect">
+            <a:avLst/>
+          </a:prstGeom>
+        </p:spPr>
+      </p:pic>
+      <p:pic>
+        <p:nvPicPr>
+          <p:cNvPr id="12" name="Picture 11">
+            <a:extLst>
+              <a:ext uri="{FF2B5EF4-FFF2-40B4-BE49-F238E27FC236}">
+                <a16:creationId xmlns:a16="http://schemas.microsoft.com/office/drawing/2014/main" id="{AAB51E34-C0BB-9D6B-140D-E93EF8AB29BF}"/>
+              </a:ext>
+            </a:extLst>
+          </p:cNvPr>
+          <p:cNvPicPr>
+            <a:picLocks noChangeAspect="1"/>
+          </p:cNvPicPr>
+          <p:nvPr/>
+        </p:nvPicPr>
+        <p:blipFill>
+          <a:blip r:embed="rId4"/>
+          <a:srcRect/>
+          <a:stretch/>
+        </p:blipFill>
+        <p:spPr>
+          <a:xfrm>
+            <a:off x="6096000" y="1417742"/>
+            <a:ext cx="2595832" cy="2595832"/>
+          </a:xfrm>
+          <a:prstGeom prst="rect">
+            <a:avLst/>
+          </a:prstGeom>
+        </p:spPr>
+      </p:pic>
+      <p:pic>
+        <p:nvPicPr>
+          <p:cNvPr id="13" name="Picture 12">
+            <a:extLst>
+              <a:ext uri="{FF2B5EF4-FFF2-40B4-BE49-F238E27FC236}">
+                <a16:creationId xmlns:a16="http://schemas.microsoft.com/office/drawing/2014/main" id="{49B37785-3884-7B09-B0B0-F5710CCDAA7A}"/>
+              </a:ext>
+            </a:extLst>
+          </p:cNvPr>
+          <p:cNvPicPr>
+            <a:picLocks noChangeAspect="1"/>
+          </p:cNvPicPr>
+          <p:nvPr/>
+        </p:nvPicPr>
+        <p:blipFill>
+          <a:blip r:embed="rId5"/>
+          <a:srcRect/>
+          <a:stretch/>
+        </p:blipFill>
+        <p:spPr>
+          <a:xfrm>
+            <a:off x="6135591" y="4142342"/>
+            <a:ext cx="2595832" cy="2595832"/>
+          </a:xfrm>
+          <a:prstGeom prst="rect">
+            <a:avLst/>
+          </a:prstGeom>
+        </p:spPr>
+      </p:pic>
+      <p:pic>
+        <p:nvPicPr>
+          <p:cNvPr id="14" name="Picture 13">
+            <a:extLst>
+              <a:ext uri="{FF2B5EF4-FFF2-40B4-BE49-F238E27FC236}">
+                <a16:creationId xmlns:a16="http://schemas.microsoft.com/office/drawing/2014/main" id="{7E6528C9-B8E0-E7D7-2A9E-9A3692085C3F}"/>
+              </a:ext>
+            </a:extLst>
+          </p:cNvPr>
+          <p:cNvPicPr>
+            <a:picLocks noChangeAspect="1"/>
+          </p:cNvPicPr>
+          <p:nvPr/>
+        </p:nvPicPr>
+        <p:blipFill>
+          <a:blip r:embed="rId6"/>
+          <a:srcRect/>
+          <a:stretch/>
+        </p:blipFill>
+        <p:spPr>
+          <a:xfrm>
+            <a:off x="9035498" y="2747999"/>
+            <a:ext cx="2595832" cy="2595832"/>
+          </a:xfrm>
+          <a:prstGeom prst="rect">
+            <a:avLst/>
+          </a:prstGeom>
+        </p:spPr>
+      </p:pic>
+      <p:sp>
+        <p:nvSpPr>
+          <p:cNvPr id="3" name="TextBox 2">
+            <a:extLst>
+              <a:ext uri="{FF2B5EF4-FFF2-40B4-BE49-F238E27FC236}">
+                <a16:creationId xmlns:a16="http://schemas.microsoft.com/office/drawing/2014/main" id="{298D23B4-BF83-7CB2-C502-77F4531A7089}"/>
+              </a:ext>
+            </a:extLst>
+          </p:cNvPr>
+          <p:cNvSpPr txBox="1"/>
+          <p:nvPr/>
+        </p:nvSpPr>
+        <p:spPr>
+          <a:xfrm>
+            <a:off x="8873253" y="5642203"/>
+            <a:ext cx="3291094" cy="646331"/>
+          </a:xfrm>
+          <a:prstGeom prst="rect">
+            <a:avLst/>
+          </a:prstGeom>
+          <a:noFill/>
+        </p:spPr>
+        <p:txBody>
+          <a:bodyPr wrap="none" rtlCol="0">
+            <a:spAutoFit/>
+          </a:bodyPr>
+          <a:lstStyle/>
+          <a:p>
+            <a:r>
+              <a:rPr lang="en-US" dirty="0"/>
+              <a:t>The ratio of </a:t>
+            </a:r>
+            <a:r>
+              <a:rPr lang="en-US" dirty="0" err="1"/>
+              <a:t>numCluster</a:t>
+            </a:r>
+            <a:r>
+              <a:rPr lang="en-US" dirty="0"/>
+              <a:t> and </a:t>
+            </a:r>
+          </a:p>
+          <a:p>
+            <a:r>
+              <a:rPr lang="en-US" dirty="0" err="1"/>
+              <a:t>numSyn</a:t>
+            </a:r>
+            <a:r>
+              <a:rPr lang="en-US" dirty="0"/>
+              <a:t> has little effect on fitting</a:t>
+            </a:r>
+            <a:endParaRPr lang="en-CN" dirty="0"/>
+          </a:p>
+        </p:txBody>
+      </p:sp>
+    </p:spTree>
+    <p:extLst>
+      <p:ext uri="{BB962C8B-B14F-4D97-AF65-F5344CB8AC3E}">
+        <p14:creationId xmlns:p14="http://schemas.microsoft.com/office/powerpoint/2010/main" val="1312581291"/>
+      </p:ext>
+    </p:extLst>
+  </p:cSld>
+  <p:clrMapOvr>
+    <a:masterClrMapping/>
+  </p:clrMapOvr>
+</p:sld>
+</file>
+
+<file path=ppt/slides/slide7.xml><?xml version="1.0" encoding="utf-8"?>
+<p:sld xmlns:a="http://schemas.openxmlformats.org/drawingml/2006/main" xmlns:r="http://schemas.openxmlformats.org/officeDocument/2006/relationships" xmlns:p="http://schemas.openxmlformats.org/presentationml/2006/main">
+  <p:cSld>
+    <p:spTree>
+      <p:nvGrpSpPr>
+        <p:cNvPr id="1" name=""/>
+        <p:cNvGrpSpPr/>
+        <p:nvPr/>
+      </p:nvGrpSpPr>
+      <p:grpSpPr>
+        <a:xfrm>
+          <a:off x="0" y="0"/>
+          <a:ext cx="0" cy="0"/>
+          <a:chOff x="0" y="0"/>
+          <a:chExt cx="0" cy="0"/>
+        </a:xfrm>
+      </p:grpSpPr>
+      <p:sp>
+        <p:nvSpPr>
+          <p:cNvPr id="2" name="Title 1">
+            <a:extLst>
+              <a:ext uri="{FF2B5EF4-FFF2-40B4-BE49-F238E27FC236}">
+                <a16:creationId xmlns:a16="http://schemas.microsoft.com/office/drawing/2014/main" id="{5163185B-DDC7-EDEF-852E-C2D22A908C9C}"/>
+              </a:ext>
+            </a:extLst>
+          </p:cNvPr>
+          <p:cNvSpPr>
+            <a:spLocks noGrp="1"/>
+          </p:cNvSpPr>
+          <p:nvPr>
+            <p:ph type="title"/>
+          </p:nvPr>
+        </p:nvSpPr>
+        <p:spPr/>
+        <p:txBody>
+          <a:bodyPr>
+            <a:normAutofit/>
+          </a:bodyPr>
+          <a:lstStyle/>
+          <a:p>
+            <a:r>
+              <a:rPr lang="en-CN" sz="4000" b="1" dirty="0"/>
+              <a:t>Results of Percentage Curve (clustered by hand)</a:t>
+            </a:r>
+          </a:p>
+        </p:txBody>
+      </p:sp>
+      <p:sp>
+        <p:nvSpPr>
+          <p:cNvPr id="4" name="TextBox 3">
+            <a:extLst>
+              <a:ext uri="{FF2B5EF4-FFF2-40B4-BE49-F238E27FC236}">
+                <a16:creationId xmlns:a16="http://schemas.microsoft.com/office/drawing/2014/main" id="{B8C1EAD9-FE04-0144-FD31-00BE22179705}"/>
+              </a:ext>
+            </a:extLst>
+          </p:cNvPr>
+          <p:cNvSpPr txBox="1"/>
+          <p:nvPr/>
+        </p:nvSpPr>
+        <p:spPr>
+          <a:xfrm>
+            <a:off x="484701" y="2346326"/>
+            <a:ext cx="1358064" cy="923330"/>
+          </a:xfrm>
+          <a:prstGeom prst="rect">
+            <a:avLst/>
+          </a:prstGeom>
+          <a:noFill/>
+        </p:spPr>
+        <p:txBody>
+          <a:bodyPr wrap="none" rtlCol="0">
+            <a:spAutoFit/>
+          </a:bodyPr>
+          <a:lstStyle/>
+          <a:p>
+            <a:r>
+              <a:rPr lang="en-US" dirty="0"/>
+              <a:t>k</a:t>
+            </a:r>
+            <a:r>
+              <a:rPr lang="en-CN" dirty="0"/>
+              <a:t>=10</a:t>
+            </a:r>
+            <a:r>
+              <a:rPr lang="en-US" altLang="zh-CN" dirty="0"/>
+              <a:t>00,num</a:t>
+            </a:r>
+          </a:p>
+          <a:p>
+            <a:r>
+              <a:rPr lang="en-US" altLang="zh-CN" dirty="0"/>
+              <a:t>Syn=6000,</a:t>
+            </a:r>
+          </a:p>
+          <a:p>
+            <a:r>
+              <a:rPr lang="en-US" altLang="zh-CN" dirty="0" err="1"/>
+              <a:t>numType</a:t>
+            </a:r>
+            <a:r>
+              <a:rPr lang="en-US" altLang="zh-CN" dirty="0"/>
+              <a:t>=2</a:t>
+            </a:r>
+          </a:p>
+        </p:txBody>
+      </p:sp>
+      <p:sp>
+        <p:nvSpPr>
+          <p:cNvPr id="5" name="TextBox 4">
+            <a:extLst>
+              <a:ext uri="{FF2B5EF4-FFF2-40B4-BE49-F238E27FC236}">
+                <a16:creationId xmlns:a16="http://schemas.microsoft.com/office/drawing/2014/main" id="{800B145D-947A-7E7D-01C6-750067E658CB}"/>
+              </a:ext>
+            </a:extLst>
+          </p:cNvPr>
+          <p:cNvSpPr txBox="1"/>
+          <p:nvPr/>
+        </p:nvSpPr>
+        <p:spPr>
+          <a:xfrm>
+            <a:off x="361476" y="4893253"/>
+            <a:ext cx="1358064" cy="923330"/>
+          </a:xfrm>
+          <a:prstGeom prst="rect">
+            <a:avLst/>
+          </a:prstGeom>
+          <a:noFill/>
+        </p:spPr>
+        <p:txBody>
+          <a:bodyPr wrap="none" rtlCol="0">
+            <a:spAutoFit/>
+          </a:bodyPr>
+          <a:lstStyle/>
+          <a:p>
+            <a:r>
+              <a:rPr lang="en-US" dirty="0"/>
+              <a:t>k</a:t>
+            </a:r>
+            <a:r>
+              <a:rPr lang="en-CN" dirty="0"/>
+              <a:t>=10</a:t>
+            </a:r>
+            <a:r>
+              <a:rPr lang="en-US" altLang="zh-CN" dirty="0"/>
+              <a:t>00,num</a:t>
+            </a:r>
+          </a:p>
+          <a:p>
+            <a:r>
+              <a:rPr lang="en-US" altLang="zh-CN" dirty="0"/>
+              <a:t>Syn=6000,</a:t>
+            </a:r>
+          </a:p>
+          <a:p>
+            <a:r>
+              <a:rPr lang="en-US" altLang="zh-CN" dirty="0" err="1"/>
+              <a:t>numType</a:t>
+            </a:r>
+            <a:r>
+              <a:rPr lang="en-US" altLang="zh-CN" dirty="0"/>
+              <a:t>=3</a:t>
+            </a:r>
+          </a:p>
+        </p:txBody>
+      </p:sp>
+      <p:sp>
+        <p:nvSpPr>
+          <p:cNvPr id="6" name="TextBox 5">
+            <a:extLst>
+              <a:ext uri="{FF2B5EF4-FFF2-40B4-BE49-F238E27FC236}">
+                <a16:creationId xmlns:a16="http://schemas.microsoft.com/office/drawing/2014/main" id="{E21B9853-1AA8-4688-AB95-5B735FE649FD}"/>
+              </a:ext>
+            </a:extLst>
+          </p:cNvPr>
+          <p:cNvSpPr txBox="1"/>
+          <p:nvPr/>
+        </p:nvSpPr>
+        <p:spPr>
+          <a:xfrm>
+            <a:off x="4752986" y="2346326"/>
+            <a:ext cx="1358064" cy="923330"/>
+          </a:xfrm>
+          <a:prstGeom prst="rect">
+            <a:avLst/>
+          </a:prstGeom>
+          <a:noFill/>
+        </p:spPr>
+        <p:txBody>
+          <a:bodyPr wrap="none" rtlCol="0">
+            <a:spAutoFit/>
+          </a:bodyPr>
+          <a:lstStyle/>
+          <a:p>
+            <a:r>
+              <a:rPr lang="en-US" dirty="0"/>
+              <a:t>k</a:t>
+            </a:r>
+            <a:r>
+              <a:rPr lang="en-CN" dirty="0"/>
+              <a:t>=10</a:t>
+            </a:r>
+            <a:r>
+              <a:rPr lang="en-US" altLang="zh-CN" dirty="0"/>
+              <a:t>00,num</a:t>
+            </a:r>
+          </a:p>
+          <a:p>
+            <a:r>
+              <a:rPr lang="en-US" altLang="zh-CN" dirty="0"/>
+              <a:t>Syn=6000,</a:t>
+            </a:r>
+          </a:p>
+          <a:p>
+            <a:r>
+              <a:rPr lang="en-US" altLang="zh-CN" dirty="0" err="1"/>
+              <a:t>numType</a:t>
+            </a:r>
+            <a:r>
+              <a:rPr lang="en-US" altLang="zh-CN" dirty="0"/>
+              <a:t>=4</a:t>
+            </a:r>
+          </a:p>
+        </p:txBody>
+      </p:sp>
+      <p:sp>
+        <p:nvSpPr>
+          <p:cNvPr id="7" name="TextBox 6">
+            <a:extLst>
+              <a:ext uri="{FF2B5EF4-FFF2-40B4-BE49-F238E27FC236}">
+                <a16:creationId xmlns:a16="http://schemas.microsoft.com/office/drawing/2014/main" id="{083B20D1-233A-278D-CA44-EF74E34882B2}"/>
+              </a:ext>
+            </a:extLst>
+          </p:cNvPr>
+          <p:cNvSpPr txBox="1"/>
+          <p:nvPr/>
+        </p:nvSpPr>
+        <p:spPr>
+          <a:xfrm>
+            <a:off x="4748868" y="4912241"/>
+            <a:ext cx="1358064" cy="923330"/>
+          </a:xfrm>
+          <a:prstGeom prst="rect">
+            <a:avLst/>
+          </a:prstGeom>
+          <a:noFill/>
+        </p:spPr>
+        <p:txBody>
+          <a:bodyPr wrap="none" rtlCol="0">
+            <a:spAutoFit/>
+          </a:bodyPr>
+          <a:lstStyle/>
+          <a:p>
+            <a:r>
+              <a:rPr lang="en-US" dirty="0"/>
+              <a:t>k</a:t>
+            </a:r>
+            <a:r>
+              <a:rPr lang="en-CN" dirty="0"/>
+              <a:t>=10</a:t>
+            </a:r>
+            <a:r>
+              <a:rPr lang="en-US" altLang="zh-CN" dirty="0"/>
+              <a:t>00,num</a:t>
+            </a:r>
+          </a:p>
+          <a:p>
+            <a:r>
+              <a:rPr lang="en-US" altLang="zh-CN" dirty="0"/>
+              <a:t>Syn=6000,</a:t>
+            </a:r>
+          </a:p>
+          <a:p>
+            <a:r>
+              <a:rPr lang="en-US" altLang="zh-CN" dirty="0" err="1"/>
+              <a:t>numType</a:t>
+            </a:r>
+            <a:r>
+              <a:rPr lang="en-US" altLang="zh-CN" dirty="0"/>
+              <a:t>=8</a:t>
+            </a:r>
+          </a:p>
+        </p:txBody>
+      </p:sp>
+      <p:sp>
+        <p:nvSpPr>
+          <p:cNvPr id="8" name="TextBox 7">
+            <a:extLst>
+              <a:ext uri="{FF2B5EF4-FFF2-40B4-BE49-F238E27FC236}">
+                <a16:creationId xmlns:a16="http://schemas.microsoft.com/office/drawing/2014/main" id="{D7F690DD-4E4B-ACE6-B4F8-712B9112485C}"/>
+              </a:ext>
+            </a:extLst>
+          </p:cNvPr>
+          <p:cNvSpPr txBox="1"/>
+          <p:nvPr/>
+        </p:nvSpPr>
+        <p:spPr>
+          <a:xfrm>
+            <a:off x="9243233" y="2346326"/>
+            <a:ext cx="2270558" cy="369332"/>
+          </a:xfrm>
+          <a:prstGeom prst="rect">
+            <a:avLst/>
+          </a:prstGeom>
+          <a:noFill/>
+        </p:spPr>
+        <p:txBody>
+          <a:bodyPr wrap="none" rtlCol="0">
+            <a:spAutoFit/>
+          </a:bodyPr>
+          <a:lstStyle/>
+          <a:p>
+            <a:r>
+              <a:rPr lang="en-US" dirty="0"/>
+              <a:t>k</a:t>
+            </a:r>
+            <a:r>
+              <a:rPr lang="en-CN" dirty="0"/>
+              <a:t>=1000,numSyn=6000</a:t>
+            </a:r>
+          </a:p>
+        </p:txBody>
+      </p:sp>
+      <p:pic>
+        <p:nvPicPr>
+          <p:cNvPr id="10" name="Picture 9">
+            <a:extLst>
+              <a:ext uri="{FF2B5EF4-FFF2-40B4-BE49-F238E27FC236}">
+                <a16:creationId xmlns:a16="http://schemas.microsoft.com/office/drawing/2014/main" id="{4CD2F78A-A877-CA96-4C9E-43A6680389B3}"/>
+              </a:ext>
+            </a:extLst>
+          </p:cNvPr>
+          <p:cNvPicPr>
+            <a:picLocks noChangeAspect="1"/>
+          </p:cNvPicPr>
+          <p:nvPr/>
+        </p:nvPicPr>
+        <p:blipFill>
+          <a:blip r:embed="rId2"/>
+          <a:srcRect/>
+          <a:stretch/>
+        </p:blipFill>
+        <p:spPr>
+          <a:xfrm>
+            <a:off x="1813488" y="1417742"/>
+            <a:ext cx="2595832" cy="2595832"/>
+          </a:xfrm>
+          <a:prstGeom prst="rect">
+            <a:avLst/>
+          </a:prstGeom>
+        </p:spPr>
+      </p:pic>
+      <p:pic>
+        <p:nvPicPr>
+          <p:cNvPr id="11" name="Picture 10">
+            <a:extLst>
+              <a:ext uri="{FF2B5EF4-FFF2-40B4-BE49-F238E27FC236}">
+                <a16:creationId xmlns:a16="http://schemas.microsoft.com/office/drawing/2014/main" id="{6E1642C6-B64B-5A06-E9B7-F60F544B3F08}"/>
+              </a:ext>
+            </a:extLst>
+          </p:cNvPr>
+          <p:cNvPicPr>
+            <a:picLocks noChangeAspect="1"/>
+          </p:cNvPicPr>
+          <p:nvPr/>
+        </p:nvPicPr>
+        <p:blipFill>
+          <a:blip r:embed="rId3"/>
+          <a:srcRect/>
+          <a:stretch/>
+        </p:blipFill>
+        <p:spPr>
+          <a:xfrm>
+            <a:off x="1813488" y="4142342"/>
+            <a:ext cx="2595832" cy="2595832"/>
+          </a:xfrm>
+          <a:prstGeom prst="rect">
+            <a:avLst/>
+          </a:prstGeom>
+        </p:spPr>
+      </p:pic>
+      <p:pic>
+        <p:nvPicPr>
+          <p:cNvPr id="12" name="Picture 11">
+            <a:extLst>
+              <a:ext uri="{FF2B5EF4-FFF2-40B4-BE49-F238E27FC236}">
+                <a16:creationId xmlns:a16="http://schemas.microsoft.com/office/drawing/2014/main" id="{AAB51E34-C0BB-9D6B-140D-E93EF8AB29BF}"/>
+              </a:ext>
+            </a:extLst>
+          </p:cNvPr>
+          <p:cNvPicPr>
+            <a:picLocks noChangeAspect="1"/>
+          </p:cNvPicPr>
+          <p:nvPr/>
+        </p:nvPicPr>
+        <p:blipFill>
+          <a:blip r:embed="rId4"/>
+          <a:srcRect/>
+          <a:stretch/>
+        </p:blipFill>
+        <p:spPr>
+          <a:xfrm>
+            <a:off x="6096000" y="1417742"/>
+            <a:ext cx="2595832" cy="2595832"/>
+          </a:xfrm>
+          <a:prstGeom prst="rect">
+            <a:avLst/>
+          </a:prstGeom>
+        </p:spPr>
+      </p:pic>
+      <p:pic>
+        <p:nvPicPr>
+          <p:cNvPr id="13" name="Picture 12">
+            <a:extLst>
+              <a:ext uri="{FF2B5EF4-FFF2-40B4-BE49-F238E27FC236}">
+                <a16:creationId xmlns:a16="http://schemas.microsoft.com/office/drawing/2014/main" id="{49B37785-3884-7B09-B0B0-F5710CCDAA7A}"/>
+              </a:ext>
+            </a:extLst>
+          </p:cNvPr>
+          <p:cNvPicPr>
+            <a:picLocks noChangeAspect="1"/>
+          </p:cNvPicPr>
+          <p:nvPr/>
+        </p:nvPicPr>
+        <p:blipFill>
+          <a:blip r:embed="rId5"/>
+          <a:srcRect/>
+          <a:stretch/>
+        </p:blipFill>
+        <p:spPr>
+          <a:xfrm>
+            <a:off x="6135591" y="4142342"/>
+            <a:ext cx="2595832" cy="2595832"/>
+          </a:xfrm>
+          <a:prstGeom prst="rect">
+            <a:avLst/>
+          </a:prstGeom>
+        </p:spPr>
+      </p:pic>
+      <p:pic>
+        <p:nvPicPr>
+          <p:cNvPr id="14" name="Picture 13">
+            <a:extLst>
+              <a:ext uri="{FF2B5EF4-FFF2-40B4-BE49-F238E27FC236}">
+                <a16:creationId xmlns:a16="http://schemas.microsoft.com/office/drawing/2014/main" id="{7E6528C9-B8E0-E7D7-2A9E-9A3692085C3F}"/>
+              </a:ext>
+            </a:extLst>
+          </p:cNvPr>
+          <p:cNvPicPr>
+            <a:picLocks noChangeAspect="1"/>
+          </p:cNvPicPr>
+          <p:nvPr/>
+        </p:nvPicPr>
+        <p:blipFill>
+          <a:blip r:embed="rId2"/>
+          <a:srcRect/>
+          <a:stretch/>
+        </p:blipFill>
+        <p:spPr>
+          <a:xfrm>
+            <a:off x="9035498" y="2747999"/>
+            <a:ext cx="2595832" cy="2595832"/>
+          </a:xfrm>
+          <a:prstGeom prst="rect">
+            <a:avLst/>
+          </a:prstGeom>
+        </p:spPr>
+      </p:pic>
+      <p:sp>
+        <p:nvSpPr>
+          <p:cNvPr id="9" name="TextBox 8">
+            <a:extLst>
+              <a:ext uri="{FF2B5EF4-FFF2-40B4-BE49-F238E27FC236}">
+                <a16:creationId xmlns:a16="http://schemas.microsoft.com/office/drawing/2014/main" id="{4D3F6E7E-655D-79D8-B43B-5AB8DEDBBB95}"/>
+              </a:ext>
+            </a:extLst>
+          </p:cNvPr>
+          <p:cNvSpPr txBox="1"/>
+          <p:nvPr/>
+        </p:nvSpPr>
+        <p:spPr>
+          <a:xfrm>
+            <a:off x="8873253" y="5642203"/>
+            <a:ext cx="3390223" cy="646331"/>
+          </a:xfrm>
+          <a:prstGeom prst="rect">
+            <a:avLst/>
+          </a:prstGeom>
+          <a:noFill/>
+        </p:spPr>
+        <p:txBody>
+          <a:bodyPr wrap="none" rtlCol="0">
+            <a:spAutoFit/>
+          </a:bodyPr>
+          <a:lstStyle/>
+          <a:p>
+            <a:r>
+              <a:rPr lang="en-US" dirty="0"/>
+              <a:t>Considering more types seems to </a:t>
+            </a:r>
+          </a:p>
+          <a:p>
+            <a:r>
+              <a:rPr lang="en-US" dirty="0"/>
+              <a:t>diminish the unfitted peak</a:t>
+            </a:r>
+            <a:endParaRPr lang="en-CN" dirty="0"/>
+          </a:p>
+        </p:txBody>
+      </p:sp>
+    </p:spTree>
+    <p:extLst>
+      <p:ext uri="{BB962C8B-B14F-4D97-AF65-F5344CB8AC3E}">
+        <p14:creationId xmlns:p14="http://schemas.microsoft.com/office/powerpoint/2010/main" val="2604574025"/>
       </p:ext>
     </p:extLst>
   </p:cSld>
